--- a/PowerPoints/16 - Records.pptx
+++ b/PowerPoints/16 - Records.pptx
@@ -8580,8 +8580,8 @@
         </p:nvSpPr>
         <p:spPr>
           <a:xfrm>
-            <a:off x="2895600" y="2641600"/>
-            <a:ext cx="4742004" cy="707886"/>
+            <a:off x="2743200" y="2641600"/>
+            <a:ext cx="5069016" cy="707886"/>
           </a:xfrm>
           <a:prstGeom prst="rect">
             <a:avLst/>
@@ -8609,7 +8609,7 @@
             <a:pPr algn="l"/>
             <a:r>
               <a:rPr lang="en-US" sz="2000" dirty="0"/>
-              <a:t>lambda expression to compute size.</a:t>
+              <a:t>lambda expression to compute record size.</a:t>
             </a:r>
           </a:p>
         </p:txBody>
@@ -8628,7 +8628,7 @@
         </p:nvSpPr>
         <p:spPr bwMode="auto">
           <a:xfrm>
-            <a:off x="5175149" y="1828800"/>
+            <a:off x="5186268" y="1828800"/>
             <a:ext cx="182880" cy="166255"/>
           </a:xfrm>
           <a:prstGeom prst="diamond">
@@ -8698,9 +8698,9 @@
           <p:nvPr/>
         </p:nvCxnSpPr>
         <p:spPr bwMode="auto">
-          <a:xfrm flipH="1" flipV="1">
-            <a:off x="5266589" y="1995055"/>
-            <a:ext cx="13" cy="646545"/>
+          <a:xfrm flipV="1">
+            <a:off x="5277708" y="1995055"/>
+            <a:ext cx="0" cy="646545"/>
           </a:xfrm>
           <a:prstGeom prst="straightConnector1">
             <a:avLst/>
@@ -9329,7 +9329,7 @@
         </p:nvSpPr>
         <p:spPr>
           <a:xfrm>
-            <a:off x="1193125" y="4599194"/>
+            <a:off x="1387475" y="4599194"/>
             <a:ext cx="6369051" cy="1015663"/>
           </a:xfrm>
           <a:prstGeom prst="rect">
@@ -11398,7 +11398,7 @@
           <a:p>
             <a:pPr lvl="1">
               <a:spcBef>
-                <a:spcPts val="0"/>
+                <a:spcPts val="500"/>
               </a:spcBef>
               <a:spcAft>
                 <a:spcPts val="200"/>
@@ -11515,7 +11515,7 @@
                 <a:latin typeface="Consolas" pitchFamily="49" charset="0"/>
                 <a:cs typeface="Consolas" pitchFamily="49" charset="0"/>
               </a:rPr>
-              <a:t>type Rectangle = record                 // fields are records</a:t>
+              <a:t>type Rectangle = record        // fields are records</a:t>
             </a:r>
           </a:p>
           <a:p>
@@ -12604,7 +12604,7 @@
         </p:nvSpPr>
         <p:spPr>
           <a:xfrm>
-            <a:off x="1369040" y="5329704"/>
+            <a:off x="1369040" y="5296251"/>
             <a:ext cx="6405921" cy="969496"/>
           </a:xfrm>
           <a:prstGeom prst="rect">

--- a/PowerPoints/16 - Records.pptx
+++ b/PowerPoints/16 - Records.pptx
@@ -14590,7 +14590,7 @@
             </a:pPr>
             <a:r>
               <a:rPr lang="en-US" dirty="0"/>
-              <a:t>(Java uses reference semantics for classes.)</a:t>
+              <a:t>(Kotlin uses reference semantics for classes.)</a:t>
             </a:r>
           </a:p>
           <a:p>

--- a/PowerPoints/16 - Records.pptx
+++ b/PowerPoints/16 - Records.pptx
@@ -6478,54 +6478,19 @@
                 <a:latin typeface="Consolas" pitchFamily="49" charset="0"/>
                 <a:cs typeface="Consolas" pitchFamily="49" charset="0"/>
               </a:rPr>
-              <a:t>()   : Variable?</a:t>
-            </a:r>
-          </a:p>
-          <a:p>
-            <a:r>
-              <a:rPr lang="en-US" sz="2000" dirty="0">
+              <a:t>()   : </a:t>
+            </a:r>
+            <a:r>
+              <a:rPr lang="en-US" sz="2000">
                 <a:latin typeface="Consolas" pitchFamily="49" charset="0"/>
                 <a:cs typeface="Consolas" pitchFamily="49" charset="0"/>
               </a:rPr>
-              <a:t>private fun </a:t>
-            </a:r>
-            <a:r>
-              <a:rPr lang="en-US" sz="2000" dirty="0" err="1">
-                <a:latin typeface="Consolas" pitchFamily="49" charset="0"/>
-                <a:cs typeface="Consolas" pitchFamily="49" charset="0"/>
-              </a:rPr>
-              <a:t>parseIndexExpr</a:t>
-            </a:r>
-            <a:r>
-              <a:rPr lang="en-US" sz="2000" dirty="0">
-                <a:latin typeface="Consolas" pitchFamily="49" charset="0"/>
-                <a:cs typeface="Consolas" pitchFamily="49" charset="0"/>
-              </a:rPr>
-              <a:t>()  : Expression</a:t>
-            </a:r>
-          </a:p>
-          <a:p>
-            <a:r>
-              <a:rPr lang="en-US" sz="2000" dirty="0">
-                <a:latin typeface="Consolas" pitchFamily="49" charset="0"/>
-                <a:cs typeface="Consolas" pitchFamily="49" charset="0"/>
-              </a:rPr>
-              <a:t>private fun </a:t>
-            </a:r>
-            <a:r>
-              <a:rPr lang="en-US" sz="2000" dirty="0" err="1">
-                <a:latin typeface="Consolas" pitchFamily="49" charset="0"/>
-                <a:cs typeface="Consolas" pitchFamily="49" charset="0"/>
-              </a:rPr>
-              <a:t>parseFieldExpr</a:t>
-            </a:r>
-            <a:r>
-              <a:rPr lang="en-US" sz="2000" dirty="0">
-                <a:latin typeface="Consolas" pitchFamily="49" charset="0"/>
-                <a:cs typeface="Consolas" pitchFamily="49" charset="0"/>
-              </a:rPr>
-              <a:t>()  : Expression</a:t>
-            </a:r>
+              <a:t>Variable?</a:t>
+            </a:r>
+            <a:endParaRPr lang="en-US" sz="2000" dirty="0">
+              <a:latin typeface="Consolas" pitchFamily="49" charset="0"/>
+              <a:cs typeface="Consolas" pitchFamily="49" charset="0"/>
+            </a:endParaRPr>
           </a:p>
         </p:txBody>
       </p:sp>

--- a/PowerPoints/16 - Records.pptx
+++ b/PowerPoints/16 - Records.pptx
@@ -6085,83 +6085,51 @@
               <a:t>paramId</a:t>
             </a:r>
             <a:r>
+              <a:rPr lang="en-US" sz="1800" dirty="0">
+                <a:latin typeface="Consolas" pitchFamily="49" charset="0"/>
+                <a:cs typeface="Consolas" pitchFamily="49" charset="0"/>
+              </a:rPr>
+              <a:t> ) { </a:t>
+            </a:r>
+            <a:r>
+              <a:rPr lang="en-US" sz="1800" dirty="0" err="1">
+                <a:latin typeface="Consolas" pitchFamily="49" charset="0"/>
+                <a:cs typeface="Consolas" pitchFamily="49" charset="0"/>
+              </a:rPr>
+              <a:t>indexExpr</a:t>
+            </a:r>
+            <a:r>
+              <a:rPr lang="en-US" sz="1800" dirty="0">
+                <a:latin typeface="Consolas" pitchFamily="49" charset="0"/>
+                <a:cs typeface="Consolas" pitchFamily="49" charset="0"/>
+              </a:rPr>
+              <a:t> | </a:t>
+            </a:r>
+            <a:r>
+              <a:rPr lang="en-US" sz="1800" dirty="0" err="1">
+                <a:latin typeface="Consolas" pitchFamily="49" charset="0"/>
+                <a:cs typeface="Consolas" pitchFamily="49" charset="0"/>
+              </a:rPr>
+              <a:t>fieldExpr</a:t>
+            </a:r>
+            <a:r>
+              <a:rPr lang="en-US" sz="1800" dirty="0">
+                <a:latin typeface="Consolas" pitchFamily="49" charset="0"/>
+                <a:cs typeface="Consolas" pitchFamily="49" charset="0"/>
+              </a:rPr>
+              <a:t> </a:t>
+            </a:r>
+            <a:r>
               <a:rPr lang="en-US" sz="1800">
                 <a:latin typeface="Consolas" pitchFamily="49" charset="0"/>
                 <a:cs typeface="Consolas" pitchFamily="49" charset="0"/>
               </a:rPr>
-              <a:t> ) </a:t>
-            </a:r>
-            <a:r>
-              <a:rPr lang="en-US" sz="1800" dirty="0">
-                <a:latin typeface="Consolas" pitchFamily="49" charset="0"/>
-                <a:cs typeface="Consolas" pitchFamily="49" charset="0"/>
-              </a:rPr>
-              <a:t>{ </a:t>
-            </a:r>
-            <a:r>
-              <a:rPr lang="en-US" sz="1800" dirty="0" err="1">
-                <a:latin typeface="Consolas" pitchFamily="49" charset="0"/>
-                <a:cs typeface="Consolas" pitchFamily="49" charset="0"/>
-              </a:rPr>
-              <a:t>indexExpr</a:t>
-            </a:r>
-            <a:r>
-              <a:rPr lang="en-US" sz="1800" dirty="0">
-                <a:latin typeface="Consolas" pitchFamily="49" charset="0"/>
-                <a:cs typeface="Consolas" pitchFamily="49" charset="0"/>
-              </a:rPr>
-              <a:t> | </a:t>
-            </a:r>
-            <a:r>
-              <a:rPr lang="en-US" sz="1800" dirty="0" err="1">
-                <a:latin typeface="Consolas" pitchFamily="49" charset="0"/>
-                <a:cs typeface="Consolas" pitchFamily="49" charset="0"/>
-              </a:rPr>
-              <a:t>fieldExpr</a:t>
-            </a:r>
-            <a:r>
-              <a:rPr lang="en-US" sz="1800" dirty="0">
-                <a:latin typeface="Consolas" pitchFamily="49" charset="0"/>
-                <a:cs typeface="Consolas" pitchFamily="49" charset="0"/>
-              </a:rPr>
-              <a:t> } .</a:t>
-            </a:r>
-          </a:p>
-          <a:p>
-            <a:pPr marL="182880" indent="0">
-              <a:spcBef>
-                <a:spcPts val="0"/>
-              </a:spcBef>
-              <a:buFontTx/>
-              <a:buNone/>
-            </a:pPr>
+              <a:t>} .</a:t>
+            </a:r>
             <a:endParaRPr lang="en-US" sz="1800" dirty="0">
               <a:latin typeface="Consolas" pitchFamily="49" charset="0"/>
               <a:cs typeface="Consolas" pitchFamily="49" charset="0"/>
             </a:endParaRPr>
-          </a:p>
-          <a:p>
-            <a:pPr marL="182880" indent="0">
-              <a:spcBef>
-                <a:spcPts val="0"/>
-              </a:spcBef>
-              <a:buFontTx/>
-              <a:buNone/>
-            </a:pPr>
-            <a:r>
-              <a:rPr lang="en-US" sz="1800" dirty="0" err="1">
-                <a:latin typeface="Consolas" pitchFamily="49" charset="0"/>
-                <a:cs typeface="Consolas" pitchFamily="49" charset="0"/>
-              </a:rPr>
-              <a:t>indexExpr</a:t>
-            </a:r>
-            <a:r>
-              <a:rPr lang="en-US" sz="1800" dirty="0">
-                <a:latin typeface="Consolas" pitchFamily="49" charset="0"/>
-                <a:cs typeface="Consolas" pitchFamily="49" charset="0"/>
-              </a:rPr>
-              <a:t>  = "[" expression "]" .</a:t>
-            </a:r>
           </a:p>
           <a:p>
             <a:pPr marL="182880" indent="0">
